--- a/prezentacija/Sistem za preporuku zasnovan na probabilističkom pristupu.pptx
+++ b/prezentacija/Sistem za preporuku zasnovan na probabilističkom pristupu.pptx
@@ -8022,7 +8022,7 @@
             <a:tbl>
               <a:tblPr>
                 <a:noFill/>
-                <a:tableStyleId>{E05E8EEA-D977-4E1A-83BD-201C83AC8D0C}</a:tableStyleId>
+                <a:tableStyleId>{D81EC263-1355-4BF3-8BCF-AB6BCEC94686}</a:tableStyleId>
               </a:tblPr>
               <a:tblGrid>
                 <a:gridCol w="1065075"/>
@@ -9979,7 +9979,7 @@
         <p:spPr>
           <a:xfrm>
             <a:off x="311700" y="1152475"/>
-            <a:ext cx="8520600" cy="3416400"/>
+            <a:ext cx="8520600" cy="3844800"/>
           </a:xfrm>
           <a:prstGeom prst="rect">
             <a:avLst/>
@@ -10080,6 +10080,23 @@
             <a:endParaRPr/>
           </a:p>
           <a:p>
+            <a:pPr indent="-317500" lvl="2" marL="1371600" rtl="0">
+              <a:spcBef>
+                <a:spcPts val="0"/>
+              </a:spcBef>
+              <a:spcAft>
+                <a:spcPts val="0"/>
+              </a:spcAft>
+              <a:buSzPts val="1400"/>
+              <a:buChar char="■"/>
+            </a:pPr>
+            <a:r>
+              <a:rPr lang="en"/>
+              <a:t>[307, 582, 593, 746, 1039, 1682, 1832, 1964, 2020, 2116]</a:t>
+            </a:r>
+            <a:endParaRPr/>
+          </a:p>
+          <a:p>
             <a:pPr indent="-317500" lvl="1" marL="914400" rtl="0">
               <a:spcBef>
                 <a:spcPts val="0"/>
@@ -10097,6 +10114,23 @@
             <a:endParaRPr/>
           </a:p>
           <a:p>
+            <a:pPr indent="-317500" lvl="2" marL="1371600" rtl="0">
+              <a:spcBef>
+                <a:spcPts val="0"/>
+              </a:spcBef>
+              <a:spcAft>
+                <a:spcPts val="0"/>
+              </a:spcAft>
+              <a:buSzPts val="1400"/>
+              <a:buChar char="■"/>
+            </a:pPr>
+            <a:r>
+              <a:rPr lang="en"/>
+              <a:t>[24, 41, 54, 174, 258, 1422, 1903, 2642, 3374, 3889]</a:t>
+            </a:r>
+            <a:endParaRPr/>
+          </a:p>
+          <a:p>
             <a:pPr indent="-317500" lvl="1" marL="914400" rtl="0">
               <a:spcBef>
                 <a:spcPts val="0"/>
@@ -10110,6 +10144,23 @@
             <a:r>
               <a:rPr lang="en"/>
               <a:t>Kompletan probabilistički pristup: 591.5</a:t>
+            </a:r>
+            <a:endParaRPr/>
+          </a:p>
+          <a:p>
+            <a:pPr indent="-317500" lvl="2" marL="1371600" rtl="0">
+              <a:spcBef>
+                <a:spcPts val="0"/>
+              </a:spcBef>
+              <a:spcAft>
+                <a:spcPts val="0"/>
+              </a:spcAft>
+              <a:buSzPts val="1400"/>
+              <a:buChar char="■"/>
+            </a:pPr>
+            <a:r>
+              <a:rPr lang="en"/>
+              <a:t>[27, 52, 93, 97, 227, 956, 2283, 5069, 7064, 7559]</a:t>
             </a:r>
             <a:endParaRPr/>
           </a:p>
@@ -10995,7 +11046,7 @@
             <a:tbl>
               <a:tblPr>
                 <a:noFill/>
-                <a:tableStyleId>{E05E8EEA-D977-4E1A-83BD-201C83AC8D0C}</a:tableStyleId>
+                <a:tableStyleId>{D81EC263-1355-4BF3-8BCF-AB6BCEC94686}</a:tableStyleId>
               </a:tblPr>
               <a:tblGrid>
                 <a:gridCol w="1065075"/>
@@ -12958,7 +13009,7 @@
             <a:tbl>
               <a:tblPr>
                 <a:noFill/>
-                <a:tableStyleId>{E05E8EEA-D977-4E1A-83BD-201C83AC8D0C}</a:tableStyleId>
+                <a:tableStyleId>{D81EC263-1355-4BF3-8BCF-AB6BCEC94686}</a:tableStyleId>
               </a:tblPr>
               <a:tblGrid>
                 <a:gridCol w="1065075"/>

--- a/prezentacija/Sistem za preporuku zasnovan na probabilističkom pristupu.pptx
+++ b/prezentacija/Sistem za preporuku zasnovan na probabilističkom pristupu.pptx
@@ -7963,7 +7963,7 @@
             </a:pPr>
             <a:r>
               <a:rPr lang="en"/>
-              <a:t>Verovatnoća da će pijatelji aktivnog korisnika oceniti dati određenu ocenu bilo kojoj sličnoj stavci kao ciljnoj.</a:t>
+              <a:t>Verovatnoća da će pijatelji aktivnog korisnika dati određenu ocenu bilo kojoj sličnoj stavci kao ciljnoj.</a:t>
             </a:r>
             <a:endParaRPr/>
           </a:p>
@@ -8022,7 +8022,7 @@
             <a:tbl>
               <a:tblPr>
                 <a:noFill/>
-                <a:tableStyleId>{D81EC263-1355-4BF3-8BCF-AB6BCEC94686}</a:tableStyleId>
+                <a:tableStyleId>{0733C360-E28D-4E5D-8FD7-EB2556DBAAE8}</a:tableStyleId>
               </a:tblPr>
               <a:tblGrid>
                 <a:gridCol w="1065075"/>
@@ -9668,7 +9668,7 @@
             </a:pPr>
             <a:r>
               <a:rPr lang="en"/>
-              <a:t>Duzina izvršavanja algoritma zavisi od broja sličnih korisnika i sličnih filmova.</a:t>
+              <a:t>Dužina izvršavanja algoritma zavisi od broja sličnih korisnika i sličnih filmova.</a:t>
             </a:r>
             <a:endParaRPr/>
           </a:p>
@@ -9774,7 +9774,7 @@
             </a:pPr>
             <a:r>
               <a:rPr lang="en"/>
-              <a:t>Zbog ograničenja hardware-a u nekim slučajevima se koristi takozvani pojednostavljeni probabilistički pristup u kome se treći faktor ne uzima u obzir</a:t>
+              <a:t>Zbog ograničenja hardware-a u nekim slučajevima se koristi takozvani pojednostavljeni probabilistički pristup, u kome se treći faktor ne uzima u obzir.</a:t>
             </a:r>
             <a:endParaRPr/>
           </a:p>
@@ -9880,7 +9880,7 @@
             </a:pPr>
             <a:r>
               <a:rPr lang="en"/>
-              <a:t>Nakon što sistem izvrši tri nabrojana faktora koji vrate vrednost od 0 do 1 njihove vrednosti mogu da se pomnože ili da se uradi njihov prosek i da to bude izlazna verovatnoća za jednog korisnika i jedan film.</a:t>
+              <a:t>Nakon što sistem izvrši tri nabrojana faktora, koji vrate vrednost od 0 do 1, njihove vrednosti mogu da se pomnože ili da se uradi njihov prosek i da to bude izlazna verovatnoća za jednog korisnika i jedan film.</a:t>
             </a:r>
             <a:endParaRPr/>
           </a:p>
@@ -10003,7 +10003,7 @@
             </a:pPr>
             <a:r>
               <a:rPr lang="en"/>
-              <a:t>Korisnik koji je uzet u razmatranje je korisnik sa rednim brojem 29.</a:t>
+              <a:t>Korisnik koji je uzet u razmatranje, je korisnik sa rednim brojem 29.</a:t>
             </a:r>
             <a:endParaRPr/>
           </a:p>
@@ -10037,7 +10037,7 @@
             </a:pPr>
             <a:r>
               <a:rPr lang="en"/>
-              <a:t>Način na koji se vrši evaluacija je takav da se anulira nasumično 10 ocena filmova, koji su ocenjeni ocenom 5.</a:t>
+              <a:t>Način na koji se vrši evaluacija, je takav da se anulira nasumično 10 ocena filmova, koji su ocenjeni ocenom 5.</a:t>
             </a:r>
             <a:endParaRPr/>
           </a:p>
@@ -10287,7 +10287,7 @@
             </a:r>
             <a:r>
               <a:rPr i="1" lang="en"/>
-              <a:t>collaborative filtering</a:t>
+              <a:t>collaborative filtering.</a:t>
             </a:r>
             <a:endParaRPr i="1"/>
           </a:p>
@@ -10321,7 +10321,7 @@
             </a:pPr>
             <a:r>
               <a:rPr lang="en"/>
-              <a:t>Pojednostavljeni pristup: ~2h</a:t>
+              <a:t>Pojednostavljeni pristup: ~2h / korisniku</a:t>
             </a:r>
             <a:endParaRPr/>
           </a:p>
@@ -10338,7 +10338,7 @@
             </a:pPr>
             <a:r>
               <a:rPr lang="en"/>
-              <a:t>Potpuni pristup: ~11h</a:t>
+              <a:t>Potpuni pristup: ~11h / korisniku</a:t>
             </a:r>
             <a:endParaRPr/>
           </a:p>
@@ -10372,7 +10372,7 @@
             </a:pPr>
             <a:r>
               <a:rPr lang="en"/>
-              <a:t>Daje bolje rezultate</a:t>
+              <a:t>Daje bolje rezultate.</a:t>
             </a:r>
             <a:endParaRPr/>
           </a:p>
@@ -10785,7 +10785,7 @@
             </a:pPr>
             <a:r>
               <a:rPr lang="en"/>
-              <a:t>Glavni akcenat ovog algoritma je da odredi sa kojim će verovatnoćom određeni korisnik dati određenu ocenu određenom filmu.</a:t>
+              <a:t>Glavni akcenat ovog algoritma je da odredi sa kojom će verovatnoćom određeni korisnik dati određenu ocenu određenom filmu.</a:t>
             </a:r>
             <a:endParaRPr/>
           </a:p>
@@ -11046,7 +11046,7 @@
             <a:tbl>
               <a:tblPr>
                 <a:noFill/>
-                <a:tableStyleId>{D81EC263-1355-4BF3-8BCF-AB6BCEC94686}</a:tableStyleId>
+                <a:tableStyleId>{0733C360-E28D-4E5D-8FD7-EB2556DBAAE8}</a:tableStyleId>
               </a:tblPr>
               <a:tblGrid>
                 <a:gridCol w="1065075"/>
@@ -12793,7 +12793,7 @@
             </a:pPr>
             <a:r>
               <a:rPr lang="en"/>
-              <a:t>Za predikciju ocena se koristi </a:t>
+              <a:t>Za predikciju ocena koristi se </a:t>
             </a:r>
             <a:r>
               <a:rPr i="1" lang="en"/>
@@ -12814,7 +12814,7 @@
             </a:pPr>
             <a:r>
               <a:rPr lang="en"/>
-              <a:t>Ulazni parametri prediktora se koriste kolone odnosno sve ocene svakog filma osim sličnih filmova ciljnom filmu.</a:t>
+              <a:t>Ulazni parametri prediktora su kolone odnosno sve ocene svakog filma, osim sličnih filmova ciljnom filmu.</a:t>
             </a:r>
             <a:endParaRPr/>
           </a:p>
@@ -12848,7 +12848,7 @@
             </a:pPr>
             <a:r>
               <a:rPr lang="en"/>
-              <a:t>Prediktor vrši predikciju na osnovu ocena sličnih filmova i poredi da li su se korisniku svideli filmovi odnosno kolika je verovatnoća da će tim filmovima dati ocenu 5.</a:t>
+              <a:t>Prediktor vrši predikciju na osnovu ocena sličnih filmova i poredi da li su se korisniku svideli filmovi, odnosno kolika je verovatnoća da će tim filmovima dati ocenu 5.</a:t>
             </a:r>
             <a:endParaRPr/>
           </a:p>
@@ -13009,7 +13009,7 @@
             <a:tbl>
               <a:tblPr>
                 <a:noFill/>
-                <a:tableStyleId>{D81EC263-1355-4BF3-8BCF-AB6BCEC94686}</a:tableStyleId>
+                <a:tableStyleId>{0733C360-E28D-4E5D-8FD7-EB2556DBAAE8}</a:tableStyleId>
               </a:tblPr>
               <a:tblGrid>
                 <a:gridCol w="1065075"/>
@@ -14710,7 +14710,7 @@
             </a:pPr>
             <a:r>
               <a:rPr lang="en"/>
-              <a:t>Za predikciju ocena se koristi </a:t>
+              <a:t>Za predikciju ocena koristi se </a:t>
             </a:r>
             <a:r>
               <a:rPr i="1" lang="en"/>
@@ -14731,7 +14731,7 @@
             </a:pPr>
             <a:r>
               <a:rPr lang="en"/>
-              <a:t>Ulazni parametri prediktora se koriste redovi odnosno sve ocene svakog korisnika osim sličnih korisnika ciljnom korisnika.</a:t>
+              <a:t>Ulazni parametri prediktora su redovi odnosno sve ocene svakog korisnika, osim ocena sličnih korisnika ciljnom korisniku.</a:t>
             </a:r>
             <a:endParaRPr/>
           </a:p>
@@ -14765,7 +14765,7 @@
             </a:pPr>
             <a:r>
               <a:rPr lang="en"/>
-              <a:t>Prediktor vrši predikciju na osnovu ocena sličnih korisnika i poredi da li će se sličnim korisnicima svideti filmovi odnosno kolika je verovatnoća da će ti korisnici filmovima dati ocenu 5.</a:t>
+              <a:t>Prediktor vrši predikciju na osnovu ocena sličnih korisnika i poredi da li će se sličnim korisnicima svideti filmovi, odnosno kolika je verovatnoća da će ti korisnici filmovima dati ocenu 5.</a:t>
             </a:r>
             <a:endParaRPr/>
           </a:p>
@@ -14780,6 +14780,285 @@
 </file>
 
 <file path=ppt/theme/theme1.xml><?xml version="1.0" encoding="utf-8"?>
+<a:theme xmlns:a="http://schemas.openxmlformats.org/drawingml/2006/main" xmlns:r="http://schemas.openxmlformats.org/officeDocument/2006/relationships" name="Custom Theme">
+  <a:themeElements>
+    <a:clrScheme name="Default">
+      <a:dk1>
+        <a:srgbClr val="000000"/>
+      </a:dk1>
+      <a:lt1>
+        <a:srgbClr val="FFFFFF"/>
+      </a:lt1>
+      <a:dk2>
+        <a:srgbClr val="158158"/>
+      </a:dk2>
+      <a:lt2>
+        <a:srgbClr val="F3F3F3"/>
+      </a:lt2>
+      <a:accent1>
+        <a:srgbClr val="058DC7"/>
+      </a:accent1>
+      <a:accent2>
+        <a:srgbClr val="50B432"/>
+      </a:accent2>
+      <a:accent3>
+        <a:srgbClr val="ED561B"/>
+      </a:accent3>
+      <a:accent4>
+        <a:srgbClr val="EDEF00"/>
+      </a:accent4>
+      <a:accent5>
+        <a:srgbClr val="24CBE5"/>
+      </a:accent5>
+      <a:accent6>
+        <a:srgbClr val="64E572"/>
+      </a:accent6>
+      <a:hlink>
+        <a:srgbClr val="2200CC"/>
+      </a:hlink>
+      <a:folHlink>
+        <a:srgbClr val="551A8B"/>
+      </a:folHlink>
+    </a:clrScheme>
+    <a:fontScheme name="Office">
+      <a:majorFont>
+        <a:latin typeface="Arial"/>
+        <a:ea typeface=""/>
+        <a:cs typeface=""/>
+        <a:font script="Jpan" typeface="ＭＳ Ｐゴシック"/>
+        <a:font script="Hang" typeface="맑은 고딕"/>
+        <a:font script="Hans" typeface="宋体"/>
+        <a:font script="Hant" typeface="新細明體"/>
+        <a:font script="Arab" typeface="Times New Roman"/>
+        <a:font script="Hebr" typeface="Times New Roman"/>
+        <a:font script="Thai" typeface="Angsana New"/>
+        <a:font script="Ethi" typeface="Nyala"/>
+        <a:font script="Beng" typeface="Vrinda"/>
+        <a:font script="Gujr" typeface="Shruti"/>
+        <a:font script="Khmr" typeface="MoolBoran"/>
+        <a:font script="Knda" typeface="Tunga"/>
+        <a:font script="Guru" typeface="Raavi"/>
+        <a:font script="Cans" typeface="Euphemia"/>
+        <a:font script="Cher" typeface="Plantagenet Cherokee"/>
+        <a:font script="Yiii" typeface="Microsoft Yi Baiti"/>
+        <a:font script="Tibt" typeface="Microsoft Himalaya"/>
+        <a:font script="Thaa" typeface="MV Boli"/>
+        <a:font script="Deva" typeface="Mangal"/>
+        <a:font script="Telu" typeface="Gautami"/>
+        <a:font script="Taml" typeface="Latha"/>
+        <a:font script="Syrc" typeface="Estrangelo Edessa"/>
+        <a:font script="Orya" typeface="Kalinga"/>
+        <a:font script="Mlym" typeface="Kartika"/>
+        <a:font script="Laoo" typeface="DokChampa"/>
+        <a:font script="Sinh" typeface="Iskoola Pota"/>
+        <a:font script="Mong" typeface="Mongolian Baiti"/>
+        <a:font script="Viet" typeface="Times New Roman"/>
+        <a:font script="Uigh" typeface="Microsoft Uighur"/>
+        <a:font script="Geor" typeface="Sylfaen"/>
+      </a:majorFont>
+      <a:minorFont>
+        <a:latin typeface="Arial"/>
+        <a:ea typeface=""/>
+        <a:cs typeface=""/>
+        <a:font script="Jpan" typeface="ＭＳ Ｐゴシック"/>
+        <a:font script="Hang" typeface="맑은 고딕"/>
+        <a:font script="Hans" typeface="宋体"/>
+        <a:font script="Hant" typeface="新細明體"/>
+        <a:font script="Arab" typeface="Arial"/>
+        <a:font script="Hebr" typeface="Arial"/>
+        <a:font script="Thai" typeface="Cordia New"/>
+        <a:font script="Ethi" typeface="Nyala"/>
+        <a:font script="Beng" typeface="Vrinda"/>
+        <a:font script="Gujr" typeface="Shruti"/>
+        <a:font script="Khmr" typeface="DaunPenh"/>
+        <a:font script="Knda" typeface="Tunga"/>
+        <a:font script="Guru" typeface="Raavi"/>
+        <a:font script="Cans" typeface="Euphemia"/>
+        <a:font script="Cher" typeface="Plantagenet Cherokee"/>
+        <a:font script="Yiii" typeface="Microsoft Yi Baiti"/>
+        <a:font script="Tibt" typeface="Microsoft Himalaya"/>
+        <a:font script="Thaa" typeface="MV Boli"/>
+        <a:font script="Deva" typeface="Mangal"/>
+        <a:font script="Telu" typeface="Gautami"/>
+        <a:font script="Taml" typeface="Latha"/>
+        <a:font script="Syrc" typeface="Estrangelo Edessa"/>
+        <a:font script="Orya" typeface="Kalinga"/>
+        <a:font script="Mlym" typeface="Kartika"/>
+        <a:font script="Laoo" typeface="DokChampa"/>
+        <a:font script="Sinh" typeface="Iskoola Pota"/>
+        <a:font script="Mong" typeface="Mongolian Baiti"/>
+        <a:font script="Viet" typeface="Arial"/>
+        <a:font script="Uigh" typeface="Microsoft Uighur"/>
+        <a:font script="Geor" typeface="Sylfaen"/>
+      </a:minorFont>
+    </a:fontScheme>
+    <a:fmtScheme name="Office">
+      <a:fillStyleLst>
+        <a:solidFill>
+          <a:schemeClr val="phClr"/>
+        </a:solidFill>
+        <a:gradFill rotWithShape="1">
+          <a:gsLst>
+            <a:gs pos="0">
+              <a:schemeClr val="phClr">
+                <a:tint val="50000"/>
+                <a:satMod val="300000"/>
+              </a:schemeClr>
+            </a:gs>
+            <a:gs pos="35000">
+              <a:schemeClr val="phClr">
+                <a:tint val="37000"/>
+                <a:satMod val="300000"/>
+              </a:schemeClr>
+            </a:gs>
+            <a:gs pos="100000">
+              <a:schemeClr val="phClr">
+                <a:tint val="15000"/>
+                <a:satMod val="350000"/>
+              </a:schemeClr>
+            </a:gs>
+          </a:gsLst>
+          <a:lin ang="16200000" scaled="1"/>
+        </a:gradFill>
+        <a:gradFill rotWithShape="1">
+          <a:gsLst>
+            <a:gs pos="0">
+              <a:schemeClr val="phClr">
+                <a:tint val="100000"/>
+                <a:shade val="100000"/>
+                <a:satMod val="130000"/>
+              </a:schemeClr>
+            </a:gs>
+            <a:gs pos="100000">
+              <a:schemeClr val="phClr">
+                <a:tint val="50000"/>
+                <a:shade val="100000"/>
+                <a:satMod val="350000"/>
+              </a:schemeClr>
+            </a:gs>
+          </a:gsLst>
+          <a:lin ang="16200000" scaled="0"/>
+        </a:gradFill>
+      </a:fillStyleLst>
+      <a:lnStyleLst>
+        <a:ln w="9525" cap="flat" cmpd="sng" algn="ctr">
+          <a:solidFill>
+            <a:schemeClr val="phClr">
+              <a:shade val="95000"/>
+              <a:satMod val="105000"/>
+            </a:schemeClr>
+          </a:solidFill>
+          <a:prstDash val="solid"/>
+        </a:ln>
+        <a:ln w="25400" cap="flat" cmpd="sng" algn="ctr">
+          <a:solidFill>
+            <a:schemeClr val="phClr"/>
+          </a:solidFill>
+          <a:prstDash val="solid"/>
+        </a:ln>
+        <a:ln w="38100" cap="flat" cmpd="sng" algn="ctr">
+          <a:solidFill>
+            <a:schemeClr val="phClr"/>
+          </a:solidFill>
+          <a:prstDash val="solid"/>
+        </a:ln>
+      </a:lnStyleLst>
+      <a:effectStyleLst>
+        <a:effectStyle>
+          <a:effectLst>
+            <a:outerShdw blurRad="40000" dist="20000" dir="5400000" rotWithShape="0">
+              <a:srgbClr val="000000">
+                <a:alpha val="38000"/>
+              </a:srgbClr>
+            </a:outerShdw>
+          </a:effectLst>
+        </a:effectStyle>
+        <a:effectStyle>
+          <a:effectLst>
+            <a:outerShdw blurRad="40000" dist="23000" dir="5400000" rotWithShape="0">
+              <a:srgbClr val="000000">
+                <a:alpha val="35000"/>
+              </a:srgbClr>
+            </a:outerShdw>
+          </a:effectLst>
+        </a:effectStyle>
+        <a:effectStyle>
+          <a:effectLst>
+            <a:outerShdw blurRad="40000" dist="23000" dir="5400000" rotWithShape="0">
+              <a:srgbClr val="000000">
+                <a:alpha val="35000"/>
+              </a:srgbClr>
+            </a:outerShdw>
+          </a:effectLst>
+          <a:scene3d>
+            <a:camera prst="orthographicFront">
+              <a:rot lat="0" lon="0" rev="0"/>
+            </a:camera>
+            <a:lightRig rig="threePt" dir="t">
+              <a:rot lat="0" lon="0" rev="1200000"/>
+            </a:lightRig>
+          </a:scene3d>
+          <a:sp3d>
+            <a:bevelT w="63500" h="25400"/>
+          </a:sp3d>
+        </a:effectStyle>
+      </a:effectStyleLst>
+      <a:bgFillStyleLst>
+        <a:solidFill>
+          <a:schemeClr val="phClr"/>
+        </a:solidFill>
+        <a:gradFill rotWithShape="1">
+          <a:gsLst>
+            <a:gs pos="0">
+              <a:schemeClr val="phClr">
+                <a:tint val="40000"/>
+                <a:satMod val="350000"/>
+              </a:schemeClr>
+            </a:gs>
+            <a:gs pos="40000">
+              <a:schemeClr val="phClr">
+                <a:tint val="45000"/>
+                <a:shade val="99000"/>
+                <a:satMod val="350000"/>
+              </a:schemeClr>
+            </a:gs>
+            <a:gs pos="100000">
+              <a:schemeClr val="phClr">
+                <a:shade val="20000"/>
+                <a:satMod val="255000"/>
+              </a:schemeClr>
+            </a:gs>
+          </a:gsLst>
+          <a:path path="circle">
+            <a:fillToRect l="50000" t="-80000" r="50000" b="180000"/>
+          </a:path>
+        </a:gradFill>
+        <a:gradFill rotWithShape="1">
+          <a:gsLst>
+            <a:gs pos="0">
+              <a:schemeClr val="phClr">
+                <a:tint val="80000"/>
+                <a:satMod val="300000"/>
+              </a:schemeClr>
+            </a:gs>
+            <a:gs pos="100000">
+              <a:schemeClr val="phClr">
+                <a:shade val="30000"/>
+                <a:satMod val="200000"/>
+              </a:schemeClr>
+            </a:gs>
+          </a:gsLst>
+          <a:path path="circle">
+            <a:fillToRect l="50000" t="50000" r="50000" b="50000"/>
+          </a:path>
+        </a:gradFill>
+      </a:bgFillStyleLst>
+    </a:fmtScheme>
+  </a:themeElements>
+</a:theme>
+</file>
+
+<file path=ppt/theme/theme2.xml><?xml version="1.0" encoding="utf-8"?>
 <a:theme xmlns:a="http://schemas.openxmlformats.org/drawingml/2006/main" xmlns:r="http://schemas.openxmlformats.org/officeDocument/2006/relationships" name="Slate">
   <a:themeElements>
     <a:clrScheme name="Slate">
@@ -15056,283 +15335,4 @@
     </a:fmtScheme>
   </a:themeElements>
 </a:theme>
-</file>
-
-<file path=ppt/theme/theme2.xml><?xml version="1.0" encoding="utf-8"?>
-<a:theme xmlns:a="http://schemas.openxmlformats.org/drawingml/2006/main" xmlns:r="http://schemas.openxmlformats.org/officeDocument/2006/relationships" name="Custom Theme">
-  <a:themeElements>
-    <a:clrScheme name="Default">
-      <a:dk1>
-        <a:srgbClr val="000000"/>
-      </a:dk1>
-      <a:lt1>
-        <a:srgbClr val="FFFFFF"/>
-      </a:lt1>
-      <a:dk2>
-        <a:srgbClr val="158158"/>
-      </a:dk2>
-      <a:lt2>
-        <a:srgbClr val="F3F3F3"/>
-      </a:lt2>
-      <a:accent1>
-        <a:srgbClr val="058DC7"/>
-      </a:accent1>
-      <a:accent2>
-        <a:srgbClr val="50B432"/>
-      </a:accent2>
-      <a:accent3>
-        <a:srgbClr val="ED561B"/>
-      </a:accent3>
-      <a:accent4>
-        <a:srgbClr val="EDEF00"/>
-      </a:accent4>
-      <a:accent5>
-        <a:srgbClr val="24CBE5"/>
-      </a:accent5>
-      <a:accent6>
-        <a:srgbClr val="64E572"/>
-      </a:accent6>
-      <a:hlink>
-        <a:srgbClr val="2200CC"/>
-      </a:hlink>
-      <a:folHlink>
-        <a:srgbClr val="551A8B"/>
-      </a:folHlink>
-    </a:clrScheme>
-    <a:fontScheme name="Office">
-      <a:majorFont>
-        <a:latin typeface="Arial"/>
-        <a:ea typeface=""/>
-        <a:cs typeface=""/>
-        <a:font script="Jpan" typeface="ＭＳ Ｐゴシック"/>
-        <a:font script="Hang" typeface="맑은 고딕"/>
-        <a:font script="Hans" typeface="宋体"/>
-        <a:font script="Hant" typeface="新細明體"/>
-        <a:font script="Arab" typeface="Times New Roman"/>
-        <a:font script="Hebr" typeface="Times New Roman"/>
-        <a:font script="Thai" typeface="Angsana New"/>
-        <a:font script="Ethi" typeface="Nyala"/>
-        <a:font script="Beng" typeface="Vrinda"/>
-        <a:font script="Gujr" typeface="Shruti"/>
-        <a:font script="Khmr" typeface="MoolBoran"/>
-        <a:font script="Knda" typeface="Tunga"/>
-        <a:font script="Guru" typeface="Raavi"/>
-        <a:font script="Cans" typeface="Euphemia"/>
-        <a:font script="Cher" typeface="Plantagenet Cherokee"/>
-        <a:font script="Yiii" typeface="Microsoft Yi Baiti"/>
-        <a:font script="Tibt" typeface="Microsoft Himalaya"/>
-        <a:font script="Thaa" typeface="MV Boli"/>
-        <a:font script="Deva" typeface="Mangal"/>
-        <a:font script="Telu" typeface="Gautami"/>
-        <a:font script="Taml" typeface="Latha"/>
-        <a:font script="Syrc" typeface="Estrangelo Edessa"/>
-        <a:font script="Orya" typeface="Kalinga"/>
-        <a:font script="Mlym" typeface="Kartika"/>
-        <a:font script="Laoo" typeface="DokChampa"/>
-        <a:font script="Sinh" typeface="Iskoola Pota"/>
-        <a:font script="Mong" typeface="Mongolian Baiti"/>
-        <a:font script="Viet" typeface="Times New Roman"/>
-        <a:font script="Uigh" typeface="Microsoft Uighur"/>
-        <a:font script="Geor" typeface="Sylfaen"/>
-      </a:majorFont>
-      <a:minorFont>
-        <a:latin typeface="Arial"/>
-        <a:ea typeface=""/>
-        <a:cs typeface=""/>
-        <a:font script="Jpan" typeface="ＭＳ Ｐゴシック"/>
-        <a:font script="Hang" typeface="맑은 고딕"/>
-        <a:font script="Hans" typeface="宋体"/>
-        <a:font script="Hant" typeface="新細明體"/>
-        <a:font script="Arab" typeface="Arial"/>
-        <a:font script="Hebr" typeface="Arial"/>
-        <a:font script="Thai" typeface="Cordia New"/>
-        <a:font script="Ethi" typeface="Nyala"/>
-        <a:font script="Beng" typeface="Vrinda"/>
-        <a:font script="Gujr" typeface="Shruti"/>
-        <a:font script="Khmr" typeface="DaunPenh"/>
-        <a:font script="Knda" typeface="Tunga"/>
-        <a:font script="Guru" typeface="Raavi"/>
-        <a:font script="Cans" typeface="Euphemia"/>
-        <a:font script="Cher" typeface="Plantagenet Cherokee"/>
-        <a:font script="Yiii" typeface="Microsoft Yi Baiti"/>
-        <a:font script="Tibt" typeface="Microsoft Himalaya"/>
-        <a:font script="Thaa" typeface="MV Boli"/>
-        <a:font script="Deva" typeface="Mangal"/>
-        <a:font script="Telu" typeface="Gautami"/>
-        <a:font script="Taml" typeface="Latha"/>
-        <a:font script="Syrc" typeface="Estrangelo Edessa"/>
-        <a:font script="Orya" typeface="Kalinga"/>
-        <a:font script="Mlym" typeface="Kartika"/>
-        <a:font script="Laoo" typeface="DokChampa"/>
-        <a:font script="Sinh" typeface="Iskoola Pota"/>
-        <a:font script="Mong" typeface="Mongolian Baiti"/>
-        <a:font script="Viet" typeface="Arial"/>
-        <a:font script="Uigh" typeface="Microsoft Uighur"/>
-        <a:font script="Geor" typeface="Sylfaen"/>
-      </a:minorFont>
-    </a:fontScheme>
-    <a:fmtScheme name="Office">
-      <a:fillStyleLst>
-        <a:solidFill>
-          <a:schemeClr val="phClr"/>
-        </a:solidFill>
-        <a:gradFill rotWithShape="1">
-          <a:gsLst>
-            <a:gs pos="0">
-              <a:schemeClr val="phClr">
-                <a:tint val="50000"/>
-                <a:satMod val="300000"/>
-              </a:schemeClr>
-            </a:gs>
-            <a:gs pos="35000">
-              <a:schemeClr val="phClr">
-                <a:tint val="37000"/>
-                <a:satMod val="300000"/>
-              </a:schemeClr>
-            </a:gs>
-            <a:gs pos="100000">
-              <a:schemeClr val="phClr">
-                <a:tint val="15000"/>
-                <a:satMod val="350000"/>
-              </a:schemeClr>
-            </a:gs>
-          </a:gsLst>
-          <a:lin ang="16200000" scaled="1"/>
-        </a:gradFill>
-        <a:gradFill rotWithShape="1">
-          <a:gsLst>
-            <a:gs pos="0">
-              <a:schemeClr val="phClr">
-                <a:tint val="100000"/>
-                <a:shade val="100000"/>
-                <a:satMod val="130000"/>
-              </a:schemeClr>
-            </a:gs>
-            <a:gs pos="100000">
-              <a:schemeClr val="phClr">
-                <a:tint val="50000"/>
-                <a:shade val="100000"/>
-                <a:satMod val="350000"/>
-              </a:schemeClr>
-            </a:gs>
-          </a:gsLst>
-          <a:lin ang="16200000" scaled="0"/>
-        </a:gradFill>
-      </a:fillStyleLst>
-      <a:lnStyleLst>
-        <a:ln w="9525" cap="flat" cmpd="sng" algn="ctr">
-          <a:solidFill>
-            <a:schemeClr val="phClr">
-              <a:shade val="95000"/>
-              <a:satMod val="105000"/>
-            </a:schemeClr>
-          </a:solidFill>
-          <a:prstDash val="solid"/>
-        </a:ln>
-        <a:ln w="25400" cap="flat" cmpd="sng" algn="ctr">
-          <a:solidFill>
-            <a:schemeClr val="phClr"/>
-          </a:solidFill>
-          <a:prstDash val="solid"/>
-        </a:ln>
-        <a:ln w="38100" cap="flat" cmpd="sng" algn="ctr">
-          <a:solidFill>
-            <a:schemeClr val="phClr"/>
-          </a:solidFill>
-          <a:prstDash val="solid"/>
-        </a:ln>
-      </a:lnStyleLst>
-      <a:effectStyleLst>
-        <a:effectStyle>
-          <a:effectLst>
-            <a:outerShdw blurRad="40000" dist="20000" dir="5400000" rotWithShape="0">
-              <a:srgbClr val="000000">
-                <a:alpha val="38000"/>
-              </a:srgbClr>
-            </a:outerShdw>
-          </a:effectLst>
-        </a:effectStyle>
-        <a:effectStyle>
-          <a:effectLst>
-            <a:outerShdw blurRad="40000" dist="23000" dir="5400000" rotWithShape="0">
-              <a:srgbClr val="000000">
-                <a:alpha val="35000"/>
-              </a:srgbClr>
-            </a:outerShdw>
-          </a:effectLst>
-        </a:effectStyle>
-        <a:effectStyle>
-          <a:effectLst>
-            <a:outerShdw blurRad="40000" dist="23000" dir="5400000" rotWithShape="0">
-              <a:srgbClr val="000000">
-                <a:alpha val="35000"/>
-              </a:srgbClr>
-            </a:outerShdw>
-          </a:effectLst>
-          <a:scene3d>
-            <a:camera prst="orthographicFront">
-              <a:rot lat="0" lon="0" rev="0"/>
-            </a:camera>
-            <a:lightRig rig="threePt" dir="t">
-              <a:rot lat="0" lon="0" rev="1200000"/>
-            </a:lightRig>
-          </a:scene3d>
-          <a:sp3d>
-            <a:bevelT w="63500" h="25400"/>
-          </a:sp3d>
-        </a:effectStyle>
-      </a:effectStyleLst>
-      <a:bgFillStyleLst>
-        <a:solidFill>
-          <a:schemeClr val="phClr"/>
-        </a:solidFill>
-        <a:gradFill rotWithShape="1">
-          <a:gsLst>
-            <a:gs pos="0">
-              <a:schemeClr val="phClr">
-                <a:tint val="40000"/>
-                <a:satMod val="350000"/>
-              </a:schemeClr>
-            </a:gs>
-            <a:gs pos="40000">
-              <a:schemeClr val="phClr">
-                <a:tint val="45000"/>
-                <a:shade val="99000"/>
-                <a:satMod val="350000"/>
-              </a:schemeClr>
-            </a:gs>
-            <a:gs pos="100000">
-              <a:schemeClr val="phClr">
-                <a:shade val="20000"/>
-                <a:satMod val="255000"/>
-              </a:schemeClr>
-            </a:gs>
-          </a:gsLst>
-          <a:path path="circle">
-            <a:fillToRect l="50000" t="-80000" r="50000" b="180000"/>
-          </a:path>
-        </a:gradFill>
-        <a:gradFill rotWithShape="1">
-          <a:gsLst>
-            <a:gs pos="0">
-              <a:schemeClr val="phClr">
-                <a:tint val="80000"/>
-                <a:satMod val="300000"/>
-              </a:schemeClr>
-            </a:gs>
-            <a:gs pos="100000">
-              <a:schemeClr val="phClr">
-                <a:shade val="30000"/>
-                <a:satMod val="200000"/>
-              </a:schemeClr>
-            </a:gs>
-          </a:gsLst>
-          <a:path path="circle">
-            <a:fillToRect l="50000" t="50000" r="50000" b="50000"/>
-          </a:path>
-        </a:gradFill>
-      </a:bgFillStyleLst>
-    </a:fmtScheme>
-  </a:themeElements>
-</a:theme>
 </file>